--- a/slides/generation/day1_slides.pptx
+++ b/slides/generation/day1_slides.pptx
@@ -244,7 +244,7 @@
           <a:p>
             <a:fld id="{3C20E0A4-AB02-8E46-B7B4-63C9141B431C}" type="datetimeFigureOut">
               <a:rPr lang="en-US" smtClean="0"/>
-              <a:t>4/21/25</a:t>
+              <a:t>4/22/25</a:t>
             </a:fld>
             <a:endParaRPr lang="en-US"/>
           </a:p>
@@ -1317,7 +1317,7 @@
             </a:r>
             <a:r>
               <a:rPr lang="en-US" dirty="0"/>
-              <a:t> Exploratory Data Analysis is so critical—especially before jumping into modeling or advanced tools.</a:t>
+              <a:t> Exploratory Data Analysis is so critical—especially before jumping into more advanced frameworks.</a:t>
             </a:r>
           </a:p>
           <a:p>
@@ -1572,6 +1572,33 @@
               <a:rPr dirty="0"/>
               <a:t>: for automating and mapping across variables</a:t>
             </a:r>
+            <a:endParaRPr lang="en-US" dirty="0"/>
+          </a:p>
+          <a:p>
+            <a:endParaRPr lang="en-US" dirty="0"/>
+          </a:p>
+          <a:p>
+            <a:r>
+              <a:rPr lang="en-US" dirty="0"/>
+              <a:t>My textbook co-authors and I have also created the </a:t>
+            </a:r>
+            <a:r>
+              <a:rPr lang="en-US" dirty="0" err="1"/>
+              <a:t>moderndive</a:t>
+            </a:r>
+            <a:r>
+              <a:rPr lang="en-US" dirty="0"/>
+              <a:t> package as a supplement to the book and the </a:t>
+            </a:r>
+            <a:r>
+              <a:rPr lang="en-US" dirty="0" err="1"/>
+              <a:t>tidyverse</a:t>
+            </a:r>
+            <a:r>
+              <a:rPr lang="en-US"/>
+              <a:t>.</a:t>
+            </a:r>
+            <a:endParaRPr dirty="0"/>
           </a:p>
           <a:p>
             <a:r>
@@ -2476,7 +2503,7 @@
           <a:p>
             <a:fld id="{D9A88A8F-C16D-944C-937B-81F7E3AFD2C3}" type="datetime1">
               <a:rPr lang="en-AU" smtClean="0"/>
-              <a:t>21/4/2025</a:t>
+              <a:t>22/4/2025</a:t>
             </a:fld>
             <a:endParaRPr lang="en-AU"/>
           </a:p>
@@ -2647,7 +2674,7 @@
           <a:p>
             <a:fld id="{42BFF838-3112-D64D-AB13-1B58B3CAB00A}" type="datetime1">
               <a:rPr lang="en-AU" smtClean="0"/>
-              <a:t>21/4/2025</a:t>
+              <a:t>22/4/2025</a:t>
             </a:fld>
             <a:endParaRPr lang="en-AU"/>
           </a:p>
@@ -2828,7 +2855,7 @@
           <a:p>
             <a:fld id="{3F9DF929-F8B2-8C4E-A87C-7CA329808E9E}" type="datetime1">
               <a:rPr lang="en-AU" smtClean="0"/>
-              <a:t>21/4/2025</a:t>
+              <a:t>22/4/2025</a:t>
             </a:fld>
             <a:endParaRPr lang="en-AU"/>
           </a:p>
@@ -2999,7 +3026,7 @@
           <a:p>
             <a:fld id="{0E345926-8385-3049-9A52-B6FCAA267278}" type="datetime1">
               <a:rPr lang="en-AU" smtClean="0"/>
-              <a:t>21/4/2025</a:t>
+              <a:t>22/4/2025</a:t>
             </a:fld>
             <a:endParaRPr lang="en-AU"/>
           </a:p>
@@ -3246,7 +3273,7 @@
           <a:p>
             <a:fld id="{17E8F4AB-99C4-774E-8D17-73F981493EA3}" type="datetime1">
               <a:rPr lang="en-AU" smtClean="0"/>
-              <a:t>21/4/2025</a:t>
+              <a:t>22/4/2025</a:t>
             </a:fld>
             <a:endParaRPr lang="en-AU"/>
           </a:p>
@@ -3479,7 +3506,7 @@
           <a:p>
             <a:fld id="{0ACF6423-5781-B143-A3FE-CE4BD44F9AD1}" type="datetime1">
               <a:rPr lang="en-AU" smtClean="0"/>
-              <a:t>21/4/2025</a:t>
+              <a:t>22/4/2025</a:t>
             </a:fld>
             <a:endParaRPr lang="en-AU"/>
           </a:p>
@@ -3847,7 +3874,7 @@
           <a:p>
             <a:fld id="{9920AAB6-7EF5-784A-9E80-675A6D4F628F}" type="datetime1">
               <a:rPr lang="en-AU" smtClean="0"/>
-              <a:t>21/4/2025</a:t>
+              <a:t>22/4/2025</a:t>
             </a:fld>
             <a:endParaRPr lang="en-AU"/>
           </a:p>
@@ -3966,7 +3993,7 @@
           <a:p>
             <a:fld id="{A664F931-0BDA-2D46-BFCE-F3DD28F55F8A}" type="datetime1">
               <a:rPr lang="en-AU" smtClean="0"/>
-              <a:t>21/4/2025</a:t>
+              <a:t>22/4/2025</a:t>
             </a:fld>
             <a:endParaRPr lang="en-AU"/>
           </a:p>
@@ -4062,7 +4089,7 @@
           <a:p>
             <a:fld id="{0F7A742C-BC72-2049-A088-B2E525A2F331}" type="datetime1">
               <a:rPr lang="en-AU" smtClean="0"/>
-              <a:t>21/4/2025</a:t>
+              <a:t>22/4/2025</a:t>
             </a:fld>
             <a:endParaRPr lang="en-AU"/>
           </a:p>
@@ -4340,7 +4367,7 @@
           <a:p>
             <a:fld id="{5F7BE613-0283-724F-AFCB-032D3606B8D6}" type="datetime1">
               <a:rPr lang="en-AU" smtClean="0"/>
-              <a:t>21/4/2025</a:t>
+              <a:t>22/4/2025</a:t>
             </a:fld>
             <a:endParaRPr lang="en-AU"/>
           </a:p>
@@ -4594,7 +4621,7 @@
           <a:p>
             <a:fld id="{4545608E-F7FD-F643-8F60-3E4200D607CF}" type="datetime1">
               <a:rPr lang="en-AU" smtClean="0"/>
-              <a:t>21/4/2025</a:t>
+              <a:t>22/4/2025</a:t>
             </a:fld>
             <a:endParaRPr lang="en-AU"/>
           </a:p>
@@ -4884,7 +4911,7 @@
           <a:p>
             <a:fld id="{15BBE825-1CEB-D348-8B57-CA899FC14BD7}" type="datetime1">
               <a:rPr lang="en-AU" smtClean="0"/>
-              <a:t>21/4/2025</a:t>
+              <a:t>22/4/2025</a:t>
             </a:fld>
             <a:endParaRPr lang="en-AU"/>
           </a:p>
